--- a/bestanden/PvA_Bert_Moelans.pptx
+++ b/bestanden/PvA_Bert_Moelans.pptx
@@ -131,16 +131,59 @@
 </p:presentation>
 </file>
 
-<file path=ppt/revisionInfo.xml><?xml version="1.0" encoding="utf-8"?>
-<p1510:revInfo xmlns:a="http://schemas.openxmlformats.org/drawingml/2006/main" xmlns:r="http://schemas.openxmlformats.org/officeDocument/2006/relationships" xmlns:p1510="http://schemas.microsoft.com/office/powerpoint/2015/10/main">
-  <p1510:revLst>
-    <p1510:client id="{F88B5CB6-35E3-4E94-9591-DF6AB3D7617B}" v="390" dt="2021-05-26T08:40:49.156"/>
-  </p1510:revLst>
-</p1510:revInfo>
-</file>
-
 <file path=ppt/changesInfos/changesInfo1.xml><?xml version="1.0" encoding="utf-8"?>
 <pc:chgInfo xmlns:a="http://schemas.openxmlformats.org/drawingml/2006/main" xmlns:r="http://schemas.openxmlformats.org/officeDocument/2006/relationships" xmlns:ac="http://schemas.microsoft.com/office/drawing/2013/main/command" xmlns:pc="http://schemas.microsoft.com/office/powerpoint/2013/main/command">
+  <pc:docChgLst>
+    <pc:chgData name="Bert Moelans" userId="3d61c7d495ab08a0" providerId="LiveId" clId="{D6423C27-03D7-4338-B337-12630B5E8146}"/>
+    <pc:docChg chg="undo custSel modSld">
+      <pc:chgData name="Bert Moelans" userId="3d61c7d495ab08a0" providerId="LiveId" clId="{D6423C27-03D7-4338-B337-12630B5E8146}" dt="2021-06-02T10:47:51.599" v="25" actId="20577"/>
+      <pc:docMkLst>
+        <pc:docMk/>
+      </pc:docMkLst>
+      <pc:sldChg chg="modNotesTx">
+        <pc:chgData name="Bert Moelans" userId="3d61c7d495ab08a0" providerId="LiveId" clId="{D6423C27-03D7-4338-B337-12630B5E8146}" dt="2021-06-02T10:46:34.624" v="0" actId="20577"/>
+        <pc:sldMkLst>
+          <pc:docMk/>
+          <pc:sldMk cId="1426362307" sldId="268"/>
+        </pc:sldMkLst>
+      </pc:sldChg>
+      <pc:sldChg chg="modNotesTx">
+        <pc:chgData name="Bert Moelans" userId="3d61c7d495ab08a0" providerId="LiveId" clId="{D6423C27-03D7-4338-B337-12630B5E8146}" dt="2021-06-02T10:46:53.526" v="3" actId="20577"/>
+        <pc:sldMkLst>
+          <pc:docMk/>
+          <pc:sldMk cId="891380473" sldId="269"/>
+        </pc:sldMkLst>
+      </pc:sldChg>
+      <pc:sldChg chg="modNotesTx">
+        <pc:chgData name="Bert Moelans" userId="3d61c7d495ab08a0" providerId="LiveId" clId="{D6423C27-03D7-4338-B337-12630B5E8146}" dt="2021-06-02T10:47:45.299" v="24" actId="20577"/>
+        <pc:sldMkLst>
+          <pc:docMk/>
+          <pc:sldMk cId="1668669963" sldId="273"/>
+        </pc:sldMkLst>
+      </pc:sldChg>
+      <pc:sldChg chg="modNotesTx">
+        <pc:chgData name="Bert Moelans" userId="3d61c7d495ab08a0" providerId="LiveId" clId="{D6423C27-03D7-4338-B337-12630B5E8146}" dt="2021-06-02T10:47:51.599" v="25" actId="20577"/>
+        <pc:sldMkLst>
+          <pc:docMk/>
+          <pc:sldMk cId="2212435849" sldId="277"/>
+        </pc:sldMkLst>
+      </pc:sldChg>
+      <pc:sldChg chg="modNotesTx">
+        <pc:chgData name="Bert Moelans" userId="3d61c7d495ab08a0" providerId="LiveId" clId="{D6423C27-03D7-4338-B337-12630B5E8146}" dt="2021-06-02T10:47:14.605" v="5" actId="20577"/>
+        <pc:sldMkLst>
+          <pc:docMk/>
+          <pc:sldMk cId="1813591280" sldId="279"/>
+        </pc:sldMkLst>
+      </pc:sldChg>
+      <pc:sldChg chg="modNotesTx">
+        <pc:chgData name="Bert Moelans" userId="3d61c7d495ab08a0" providerId="LiveId" clId="{D6423C27-03D7-4338-B337-12630B5E8146}" dt="2021-06-02T10:47:04.840" v="4" actId="20577"/>
+        <pc:sldMkLst>
+          <pc:docMk/>
+          <pc:sldMk cId="1376819338" sldId="280"/>
+        </pc:sldMkLst>
+      </pc:sldChg>
+    </pc:docChg>
+  </pc:docChgLst>
   <pc:docChgLst>
     <pc:chgData name="Bert Moelans" userId="74e47866-e988-4d1c-892a-c8e457ec386b" providerId="ADAL" clId="{F88B5CB6-35E3-4E94-9591-DF6AB3D7617B}"/>
     <pc:docChg chg="undo custSel addSld delSld modSld">
@@ -9154,7 +9197,7 @@
   <dgm:whole/>
   <dgm:extLst>
     <a:ext uri="http://schemas.microsoft.com/office/drawing/2008/diagram">
-      <dsp:dataModelExt xmlns:dsp="http://schemas.microsoft.com/office/drawing/2008/diagram" relId="rId6" minVer="http://schemas.openxmlformats.org/drawingml/2006/diagram"/>
+      <dsp:dataModelExt xmlns:dsp="http://schemas.microsoft.com/office/drawing/2008/diagram" relId="rId7" minVer="http://schemas.openxmlformats.org/drawingml/2006/diagram"/>
     </a:ext>
   </dgm:extLst>
 </dgm:dataModel>
@@ -14611,7 +14654,7 @@
   <dgm:whole/>
   <dgm:extLst>
     <a:ext uri="http://schemas.microsoft.com/office/drawing/2008/diagram">
-      <dsp:dataModelExt xmlns:dsp="http://schemas.microsoft.com/office/drawing/2008/diagram" relId="rId6" minVer="http://schemas.openxmlformats.org/drawingml/2006/diagram"/>
+      <dsp:dataModelExt xmlns:dsp="http://schemas.microsoft.com/office/drawing/2008/diagram" relId="rId7" minVer="http://schemas.openxmlformats.org/drawingml/2006/diagram"/>
     </a:ext>
   </dgm:extLst>
 </dgm:dataModel>
@@ -43575,7 +43618,7 @@
           <a:p>
             <a:fld id="{E6E0A4EC-F156-404E-90A7-862B8D892F63}" type="datetimeFigureOut">
               <a:rPr lang="nl-BE" smtClean="0"/>
-              <a:t>26/05/2021</a:t>
+              <a:t>2/06/2021</a:t>
             </a:fld>
             <a:endParaRPr lang="nl-BE"/>
           </a:p>
@@ -43887,10 +43930,7 @@
           <a:bodyPr/>
           <a:lstStyle/>
           <a:p>
-            <a:r>
-              <a:rPr lang="nl-BE" dirty="0"/>
-              <a:t>Intro (stageopdracht – niet zomaar invliegen – plan van aanpak nodig)</a:t>
-            </a:r>
+            <a:endParaRPr lang="nl-BE" dirty="0"/>
           </a:p>
         </p:txBody>
       </p:sp>
@@ -43995,6 +44035,174 @@
           <a:p>
             <a:fld id="{01E9FEFA-3FD2-4285-857C-D1CF860D5659}" type="slidenum">
               <a:rPr lang="nl-BE" smtClean="0"/>
+              <a:t>10</a:t>
+            </a:fld>
+            <a:endParaRPr lang="nl-BE"/>
+          </a:p>
+        </p:txBody>
+      </p:sp>
+    </p:spTree>
+    <p:extLst>
+      <p:ext uri="{BB962C8B-B14F-4D97-AF65-F5344CB8AC3E}">
+        <p14:creationId xmlns:p14="http://schemas.microsoft.com/office/powerpoint/2010/main" val="1483323788"/>
+      </p:ext>
+    </p:extLst>
+  </p:cSld>
+  <p:clrMapOvr>
+    <a:masterClrMapping/>
+  </p:clrMapOvr>
+</p:notes>
+</file>
+
+<file path=ppt/notesSlides/notesSlide11.xml><?xml version="1.0" encoding="utf-8"?>
+<p:notes xmlns:a="http://schemas.openxmlformats.org/drawingml/2006/main" xmlns:r="http://schemas.openxmlformats.org/officeDocument/2006/relationships" xmlns:p="http://schemas.openxmlformats.org/presentationml/2006/main">
+  <p:cSld>
+    <p:spTree>
+      <p:nvGrpSpPr>
+        <p:cNvPr id="1" name=""/>
+        <p:cNvGrpSpPr/>
+        <p:nvPr/>
+      </p:nvGrpSpPr>
+      <p:grpSpPr>
+        <a:xfrm>
+          <a:off x="0" y="0"/>
+          <a:ext cx="0" cy="0"/>
+          <a:chOff x="0" y="0"/>
+          <a:chExt cx="0" cy="0"/>
+        </a:xfrm>
+      </p:grpSpPr>
+      <p:sp>
+        <p:nvSpPr>
+          <p:cNvPr id="2" name="Tijdelijke aanduiding voor dia-afbeelding 1"/>
+          <p:cNvSpPr>
+            <a:spLocks noGrp="1" noRot="1" noChangeAspect="1"/>
+          </p:cNvSpPr>
+          <p:nvPr>
+            <p:ph type="sldImg"/>
+          </p:nvPr>
+        </p:nvSpPr>
+        <p:spPr/>
+      </p:sp>
+      <p:sp>
+        <p:nvSpPr>
+          <p:cNvPr id="3" name="Tijdelijke aanduiding voor notities 2"/>
+          <p:cNvSpPr>
+            <a:spLocks noGrp="1"/>
+          </p:cNvSpPr>
+          <p:nvPr>
+            <p:ph type="body" idx="1"/>
+          </p:nvPr>
+        </p:nvSpPr>
+        <p:spPr/>
+        <p:txBody>
+          <a:bodyPr/>
+          <a:lstStyle/>
+          <a:p>
+            <a:endParaRPr lang="nl-BE" dirty="0"/>
+          </a:p>
+        </p:txBody>
+      </p:sp>
+      <p:sp>
+        <p:nvSpPr>
+          <p:cNvPr id="4" name="Tijdelijke aanduiding voor dianummer 3"/>
+          <p:cNvSpPr>
+            <a:spLocks noGrp="1"/>
+          </p:cNvSpPr>
+          <p:nvPr>
+            <p:ph type="sldNum" sz="quarter" idx="5"/>
+          </p:nvPr>
+        </p:nvSpPr>
+        <p:spPr/>
+        <p:txBody>
+          <a:bodyPr/>
+          <a:lstStyle/>
+          <a:p>
+            <a:fld id="{01E9FEFA-3FD2-4285-857C-D1CF860D5659}" type="slidenum">
+              <a:rPr lang="nl-BE" smtClean="0"/>
+              <a:t>11</a:t>
+            </a:fld>
+            <a:endParaRPr lang="nl-BE"/>
+          </a:p>
+        </p:txBody>
+      </p:sp>
+    </p:spTree>
+    <p:extLst>
+      <p:ext uri="{BB962C8B-B14F-4D97-AF65-F5344CB8AC3E}">
+        <p14:creationId xmlns:p14="http://schemas.microsoft.com/office/powerpoint/2010/main" val="298878942"/>
+      </p:ext>
+    </p:extLst>
+  </p:cSld>
+  <p:clrMapOvr>
+    <a:masterClrMapping/>
+  </p:clrMapOvr>
+</p:notes>
+</file>
+
+<file path=ppt/notesSlides/notesSlide12.xml><?xml version="1.0" encoding="utf-8"?>
+<p:notes xmlns:a="http://schemas.openxmlformats.org/drawingml/2006/main" xmlns:r="http://schemas.openxmlformats.org/officeDocument/2006/relationships" xmlns:p="http://schemas.openxmlformats.org/presentationml/2006/main">
+  <p:cSld>
+    <p:spTree>
+      <p:nvGrpSpPr>
+        <p:cNvPr id="1" name=""/>
+        <p:cNvGrpSpPr/>
+        <p:nvPr/>
+      </p:nvGrpSpPr>
+      <p:grpSpPr>
+        <a:xfrm>
+          <a:off x="0" y="0"/>
+          <a:ext cx="0" cy="0"/>
+          <a:chOff x="0" y="0"/>
+          <a:chExt cx="0" cy="0"/>
+        </a:xfrm>
+      </p:grpSpPr>
+      <p:sp>
+        <p:nvSpPr>
+          <p:cNvPr id="2" name="Tijdelijke aanduiding voor dia-afbeelding 1"/>
+          <p:cNvSpPr>
+            <a:spLocks noGrp="1" noRot="1" noChangeAspect="1"/>
+          </p:cNvSpPr>
+          <p:nvPr>
+            <p:ph type="sldImg"/>
+          </p:nvPr>
+        </p:nvSpPr>
+        <p:spPr/>
+      </p:sp>
+      <p:sp>
+        <p:nvSpPr>
+          <p:cNvPr id="3" name="Tijdelijke aanduiding voor notities 2"/>
+          <p:cNvSpPr>
+            <a:spLocks noGrp="1"/>
+          </p:cNvSpPr>
+          <p:nvPr>
+            <p:ph type="body" idx="1"/>
+          </p:nvPr>
+        </p:nvSpPr>
+        <p:spPr/>
+        <p:txBody>
+          <a:bodyPr/>
+          <a:lstStyle/>
+          <a:p>
+            <a:endParaRPr lang="nl-BE" dirty="0"/>
+          </a:p>
+        </p:txBody>
+      </p:sp>
+      <p:sp>
+        <p:nvSpPr>
+          <p:cNvPr id="4" name="Tijdelijke aanduiding voor dianummer 3"/>
+          <p:cNvSpPr>
+            <a:spLocks noGrp="1"/>
+          </p:cNvSpPr>
+          <p:nvPr>
+            <p:ph type="sldNum" sz="quarter" idx="5"/>
+          </p:nvPr>
+        </p:nvSpPr>
+        <p:spPr/>
+        <p:txBody>
+          <a:bodyPr/>
+          <a:lstStyle/>
+          <a:p>
+            <a:fld id="{01E9FEFA-3FD2-4285-857C-D1CF860D5659}" type="slidenum">
+              <a:rPr lang="nl-BE" smtClean="0"/>
               <a:t>12</a:t>
             </a:fld>
             <a:endParaRPr lang="nl-BE"/>
@@ -44014,7 +44222,7 @@
 </p:notes>
 </file>
 
-<file path=ppt/notesSlides/notesSlide11.xml><?xml version="1.0" encoding="utf-8"?>
+<file path=ppt/notesSlides/notesSlide13.xml><?xml version="1.0" encoding="utf-8"?>
 <p:notes xmlns:a="http://schemas.openxmlformats.org/drawingml/2006/main" xmlns:r="http://schemas.openxmlformats.org/officeDocument/2006/relationships" xmlns:p="http://schemas.openxmlformats.org/presentationml/2006/main">
   <p:cSld>
     <p:spTree>
@@ -44145,9 +44353,93 @@
           <a:bodyPr/>
           <a:lstStyle/>
           <a:p>
+            <a:endParaRPr lang="nl-BE" dirty="0"/>
+          </a:p>
+        </p:txBody>
+      </p:sp>
+      <p:sp>
+        <p:nvSpPr>
+          <p:cNvPr id="4" name="Tijdelijke aanduiding voor dianummer 3"/>
+          <p:cNvSpPr>
+            <a:spLocks noGrp="1"/>
+          </p:cNvSpPr>
+          <p:nvPr>
+            <p:ph type="sldNum" sz="quarter" idx="5"/>
+          </p:nvPr>
+        </p:nvSpPr>
+        <p:spPr/>
+        <p:txBody>
+          <a:bodyPr/>
+          <a:lstStyle/>
+          <a:p>
+            <a:fld id="{01E9FEFA-3FD2-4285-857C-D1CF860D5659}" type="slidenum">
+              <a:rPr lang="nl-BE" smtClean="0"/>
+              <a:t>2</a:t>
+            </a:fld>
+            <a:endParaRPr lang="nl-BE"/>
+          </a:p>
+        </p:txBody>
+      </p:sp>
+    </p:spTree>
+    <p:extLst>
+      <p:ext uri="{BB962C8B-B14F-4D97-AF65-F5344CB8AC3E}">
+        <p14:creationId xmlns:p14="http://schemas.microsoft.com/office/powerpoint/2010/main" val="3426801585"/>
+      </p:ext>
+    </p:extLst>
+  </p:cSld>
+  <p:clrMapOvr>
+    <a:masterClrMapping/>
+  </p:clrMapOvr>
+</p:notes>
+</file>
+
+<file path=ppt/notesSlides/notesSlide3.xml><?xml version="1.0" encoding="utf-8"?>
+<p:notes xmlns:a="http://schemas.openxmlformats.org/drawingml/2006/main" xmlns:r="http://schemas.openxmlformats.org/officeDocument/2006/relationships" xmlns:p="http://schemas.openxmlformats.org/presentationml/2006/main">
+  <p:cSld>
+    <p:spTree>
+      <p:nvGrpSpPr>
+        <p:cNvPr id="1" name=""/>
+        <p:cNvGrpSpPr/>
+        <p:nvPr/>
+      </p:nvGrpSpPr>
+      <p:grpSpPr>
+        <a:xfrm>
+          <a:off x="0" y="0"/>
+          <a:ext cx="0" cy="0"/>
+          <a:chOff x="0" y="0"/>
+          <a:chExt cx="0" cy="0"/>
+        </a:xfrm>
+      </p:grpSpPr>
+      <p:sp>
+        <p:nvSpPr>
+          <p:cNvPr id="2" name="Tijdelijke aanduiding voor dia-afbeelding 1"/>
+          <p:cNvSpPr>
+            <a:spLocks noGrp="1" noRot="1" noChangeAspect="1"/>
+          </p:cNvSpPr>
+          <p:nvPr>
+            <p:ph type="sldImg"/>
+          </p:nvPr>
+        </p:nvSpPr>
+        <p:spPr/>
+      </p:sp>
+      <p:sp>
+        <p:nvSpPr>
+          <p:cNvPr id="3" name="Tijdelijke aanduiding voor notities 2"/>
+          <p:cNvSpPr>
+            <a:spLocks noGrp="1"/>
+          </p:cNvSpPr>
+          <p:nvPr>
+            <p:ph type="body" idx="1"/>
+          </p:nvPr>
+        </p:nvSpPr>
+        <p:spPr/>
+        <p:txBody>
+          <a:bodyPr/>
+          <a:lstStyle/>
+          <a:p>
             <a:r>
               <a:rPr lang="nl-BE" dirty="0"/>
-              <a:t>Begeleiding op technisch gebied maar ook bij de infrastructuur van een bedrijf</a:t>
+              <a:t>Begeleiding op technisch gebied, maar ook bij de infrastructuur van een bedrijf</a:t>
             </a:r>
           </a:p>
           <a:p>
@@ -44197,7 +44489,7 @@
 </p:notes>
 </file>
 
-<file path=ppt/notesSlides/notesSlide3.xml><?xml version="1.0" encoding="utf-8"?>
+<file path=ppt/notesSlides/notesSlide4.xml><?xml version="1.0" encoding="utf-8"?>
 <p:notes xmlns:a="http://schemas.openxmlformats.org/drawingml/2006/main" xmlns:r="http://schemas.openxmlformats.org/officeDocument/2006/relationships" xmlns:p="http://schemas.openxmlformats.org/presentationml/2006/main">
   <p:cSld>
     <p:spTree>
@@ -44328,7 +44620,7 @@
 </p:notes>
 </file>
 
-<file path=ppt/notesSlides/notesSlide4.xml><?xml version="1.0" encoding="utf-8"?>
+<file path=ppt/notesSlides/notesSlide5.xml><?xml version="1.0" encoding="utf-8"?>
 <p:notes xmlns:a="http://schemas.openxmlformats.org/drawingml/2006/main" xmlns:r="http://schemas.openxmlformats.org/officeDocument/2006/relationships" xmlns:p="http://schemas.openxmlformats.org/presentationml/2006/main">
   <p:cSld>
     <p:spTree>
@@ -44412,7 +44704,7 @@
 </p:notes>
 </file>
 
-<file path=ppt/notesSlides/notesSlide5.xml><?xml version="1.0" encoding="utf-8"?>
+<file path=ppt/notesSlides/notesSlide6.xml><?xml version="1.0" encoding="utf-8"?>
 <p:notes xmlns:a="http://schemas.openxmlformats.org/drawingml/2006/main" xmlns:r="http://schemas.openxmlformats.org/officeDocument/2006/relationships" xmlns:p="http://schemas.openxmlformats.org/presentationml/2006/main">
   <p:cSld>
     <p:spTree>
@@ -44456,10 +44748,7 @@
           <a:bodyPr/>
           <a:lstStyle/>
           <a:p>
-            <a:r>
-              <a:rPr lang="nl-BE" dirty="0"/>
-              <a:t>Owasp top 10 web applicatie beveiligingsrisico’s</a:t>
-            </a:r>
+            <a:endParaRPr lang="nl-BE" dirty="0"/>
           </a:p>
         </p:txBody>
       </p:sp>
@@ -44499,7 +44788,7 @@
 </p:notes>
 </file>
 
-<file path=ppt/notesSlides/notesSlide6.xml><?xml version="1.0" encoding="utf-8"?>
+<file path=ppt/notesSlides/notesSlide7.xml><?xml version="1.0" encoding="utf-8"?>
 <p:notes xmlns:a="http://schemas.openxmlformats.org/drawingml/2006/main" xmlns:r="http://schemas.openxmlformats.org/officeDocument/2006/relationships" xmlns:p="http://schemas.openxmlformats.org/presentationml/2006/main">
   <p:cSld>
     <p:spTree>
@@ -44565,12 +44854,6 @@
               <a:t>2 kopies van de nFuse website (stijgt in moeilijkheid) -&gt; site 1 en 2</a:t>
             </a:r>
           </a:p>
-          <a:p>
-            <a:r>
-              <a:rPr lang="nl-BE" dirty="0"/>
-              <a:t>Owasp top 10 risico’s uitproberen op sites</a:t>
-            </a:r>
-          </a:p>
         </p:txBody>
       </p:sp>
       <p:sp>
@@ -44609,7 +44892,7 @@
 </p:notes>
 </file>
 
-<file path=ppt/notesSlides/notesSlide7.xml><?xml version="1.0" encoding="utf-8"?>
+<file path=ppt/notesSlides/notesSlide8.xml><?xml version="1.0" encoding="utf-8"?>
 <p:notes xmlns:a="http://schemas.openxmlformats.org/drawingml/2006/main" xmlns:r="http://schemas.openxmlformats.org/officeDocument/2006/relationships" xmlns:p="http://schemas.openxmlformats.org/presentationml/2006/main">
   <p:cSld>
     <p:spTree>
@@ -44693,99 +44976,6 @@
 </p:notes>
 </file>
 
-<file path=ppt/notesSlides/notesSlide8.xml><?xml version="1.0" encoding="utf-8"?>
-<p:notes xmlns:a="http://schemas.openxmlformats.org/drawingml/2006/main" xmlns:r="http://schemas.openxmlformats.org/officeDocument/2006/relationships" xmlns:p="http://schemas.openxmlformats.org/presentationml/2006/main">
-  <p:cSld>
-    <p:spTree>
-      <p:nvGrpSpPr>
-        <p:cNvPr id="1" name=""/>
-        <p:cNvGrpSpPr/>
-        <p:nvPr/>
-      </p:nvGrpSpPr>
-      <p:grpSpPr>
-        <a:xfrm>
-          <a:off x="0" y="0"/>
-          <a:ext cx="0" cy="0"/>
-          <a:chOff x="0" y="0"/>
-          <a:chExt cx="0" cy="0"/>
-        </a:xfrm>
-      </p:grpSpPr>
-      <p:sp>
-        <p:nvSpPr>
-          <p:cNvPr id="2" name="Tijdelijke aanduiding voor dia-afbeelding 1"/>
-          <p:cNvSpPr>
-            <a:spLocks noGrp="1" noRot="1" noChangeAspect="1"/>
-          </p:cNvSpPr>
-          <p:nvPr>
-            <p:ph type="sldImg"/>
-          </p:nvPr>
-        </p:nvSpPr>
-        <p:spPr/>
-      </p:sp>
-      <p:sp>
-        <p:nvSpPr>
-          <p:cNvPr id="3" name="Tijdelijke aanduiding voor notities 2"/>
-          <p:cNvSpPr>
-            <a:spLocks noGrp="1"/>
-          </p:cNvSpPr>
-          <p:nvPr>
-            <p:ph type="body" idx="1"/>
-          </p:nvPr>
-        </p:nvSpPr>
-        <p:spPr/>
-        <p:txBody>
-          <a:bodyPr/>
-          <a:lstStyle/>
-          <a:p>
-            <a:r>
-              <a:rPr lang="nl-BE" dirty="0"/>
-              <a:t>URL 2 gaat over deelonderzoek 2, dit is moeilijker omdat de patches van URL 1 zijn opgelost </a:t>
-            </a:r>
-          </a:p>
-          <a:p>
-            <a:r>
-              <a:rPr lang="nl-BE" dirty="0"/>
-              <a:t>Goed verschil aantonen met vorig onderzoek</a:t>
-            </a:r>
-          </a:p>
-        </p:txBody>
-      </p:sp>
-      <p:sp>
-        <p:nvSpPr>
-          <p:cNvPr id="4" name="Tijdelijke aanduiding voor dianummer 3"/>
-          <p:cNvSpPr>
-            <a:spLocks noGrp="1"/>
-          </p:cNvSpPr>
-          <p:nvPr>
-            <p:ph type="sldNum" sz="quarter" idx="5"/>
-          </p:nvPr>
-        </p:nvSpPr>
-        <p:spPr/>
-        <p:txBody>
-          <a:bodyPr/>
-          <a:lstStyle/>
-          <a:p>
-            <a:fld id="{01E9FEFA-3FD2-4285-857C-D1CF860D5659}" type="slidenum">
-              <a:rPr lang="nl-BE" smtClean="0"/>
-              <a:t>9</a:t>
-            </a:fld>
-            <a:endParaRPr lang="nl-BE"/>
-          </a:p>
-        </p:txBody>
-      </p:sp>
-    </p:spTree>
-    <p:extLst>
-      <p:ext uri="{BB962C8B-B14F-4D97-AF65-F5344CB8AC3E}">
-        <p14:creationId xmlns:p14="http://schemas.microsoft.com/office/powerpoint/2010/main" val="1707785615"/>
-      </p:ext>
-    </p:extLst>
-  </p:cSld>
-  <p:clrMapOvr>
-    <a:masterClrMapping/>
-  </p:clrMapOvr>
-</p:notes>
-</file>
-
 <file path=ppt/notesSlides/notesSlide9.xml><?xml version="1.0" encoding="utf-8"?>
 <p:notes xmlns:a="http://schemas.openxmlformats.org/drawingml/2006/main" xmlns:r="http://schemas.openxmlformats.org/officeDocument/2006/relationships" xmlns:p="http://schemas.openxmlformats.org/presentationml/2006/main">
   <p:cSld>
@@ -44832,7 +45022,7 @@
           <a:p>
             <a:r>
               <a:rPr lang="nl-BE" dirty="0"/>
-              <a:t>Inhoud van het PenTest rapport</a:t>
+              <a:t>URL 2 gaat over deelonderzoek 2, dit is moeilijker omdat de kwetsbaarheden van URL 1 zijn opgelost </a:t>
             </a:r>
           </a:p>
         </p:txBody>
@@ -44854,7 +45044,7 @@
           <a:p>
             <a:fld id="{01E9FEFA-3FD2-4285-857C-D1CF860D5659}" type="slidenum">
               <a:rPr lang="nl-BE" smtClean="0"/>
-              <a:t>11</a:t>
+              <a:t>9</a:t>
             </a:fld>
             <a:endParaRPr lang="nl-BE"/>
           </a:p>
@@ -44863,7 +45053,7 @@
     </p:spTree>
     <p:extLst>
       <p:ext uri="{BB962C8B-B14F-4D97-AF65-F5344CB8AC3E}">
-        <p14:creationId xmlns:p14="http://schemas.microsoft.com/office/powerpoint/2010/main" val="298878942"/>
+        <p14:creationId xmlns:p14="http://schemas.microsoft.com/office/powerpoint/2010/main" val="1707785615"/>
       </p:ext>
     </p:extLst>
   </p:cSld>
@@ -45024,7 +45214,7 @@
           <a:p>
             <a:fld id="{74C18573-C4BA-42FE-94B5-E4A7A7963A29}" type="datetime1">
               <a:rPr lang="nl-BE" smtClean="0"/>
-              <a:t>26/05/2021</a:t>
+              <a:t>2/06/2021</a:t>
             </a:fld>
             <a:endParaRPr lang="nl-BE" dirty="0"/>
           </a:p>
@@ -45209,7 +45399,7 @@
           <a:p>
             <a:fld id="{16403602-22D6-42A1-A464-2B634B43DED7}" type="datetime1">
               <a:rPr lang="nl-BE" smtClean="0"/>
-              <a:t>26/05/2021</a:t>
+              <a:t>2/06/2021</a:t>
             </a:fld>
             <a:endParaRPr lang="nl-BE"/>
           </a:p>
@@ -45427,7 +45617,7 @@
           <a:p>
             <a:fld id="{9B272CEC-B515-41FE-B4EF-46FC00C56BE2}" type="datetime1">
               <a:rPr lang="nl-BE" smtClean="0"/>
-              <a:t>26/05/2021</a:t>
+              <a:t>2/06/2021</a:t>
             </a:fld>
             <a:endParaRPr lang="nl-BE"/>
           </a:p>
@@ -45641,7 +45831,7 @@
           <a:p>
             <a:fld id="{02EFF42A-0A17-4C92-9216-3CEF97566F24}" type="datetime1">
               <a:rPr lang="nl-BE" smtClean="0"/>
-              <a:t>26/05/2021</a:t>
+              <a:t>2/06/2021</a:t>
             </a:fld>
             <a:endParaRPr lang="nl-BE"/>
           </a:p>
@@ -46024,7 +46214,7 @@
             <a:fld id="{4D1B1878-E2CF-472D-92AA-BAB115122FE9}" type="datetime1">
               <a:rPr lang="nl-BE" smtClean="0"/>
               <a:pPr/>
-              <a:t>26/05/2021</a:t>
+              <a:t>2/06/2021</a:t>
             </a:fld>
             <a:endParaRPr lang="nl-BE"/>
           </a:p>
@@ -46300,7 +46490,7 @@
           <a:p>
             <a:fld id="{D8C708E3-6A82-4753-8ABE-F09F6F6629E5}" type="datetime1">
               <a:rPr lang="nl-BE" smtClean="0"/>
-              <a:t>26/05/2021</a:t>
+              <a:t>2/06/2021</a:t>
             </a:fld>
             <a:endParaRPr lang="nl-BE"/>
           </a:p>
@@ -46723,7 +46913,7 @@
           <a:p>
             <a:fld id="{E6CCA70C-4F78-497C-9451-DEB1E3859ED5}" type="datetime1">
               <a:rPr lang="nl-BE" smtClean="0"/>
-              <a:t>26/05/2021</a:t>
+              <a:t>2/06/2021</a:t>
             </a:fld>
             <a:endParaRPr lang="nl-BE"/>
           </a:p>
@@ -46873,7 +47063,7 @@
           <a:p>
             <a:fld id="{98C1D992-70C4-4A02-8A31-75C8E1F0745E}" type="datetime1">
               <a:rPr lang="nl-BE" smtClean="0"/>
-              <a:t>26/05/2021</a:t>
+              <a:t>2/06/2021</a:t>
             </a:fld>
             <a:endParaRPr lang="nl-BE"/>
           </a:p>
@@ -46994,7 +47184,7 @@
           <a:p>
             <a:fld id="{E63D3BC5-A8AC-4517-959E-550F0A2004C1}" type="datetime1">
               <a:rPr lang="nl-BE" smtClean="0"/>
-              <a:t>26/05/2021</a:t>
+              <a:t>2/06/2021</a:t>
             </a:fld>
             <a:endParaRPr lang="nl-BE"/>
           </a:p>
@@ -47315,7 +47505,7 @@
           <a:p>
             <a:fld id="{8C5F3FA7-9927-43B1-A7A6-548080B12E49}" type="datetime1">
               <a:rPr lang="nl-BE" smtClean="0"/>
-              <a:t>26/05/2021</a:t>
+              <a:t>2/06/2021</a:t>
             </a:fld>
             <a:endParaRPr lang="nl-BE"/>
           </a:p>
@@ -47612,7 +47802,7 @@
           <a:p>
             <a:fld id="{93F75835-C1F5-492C-8217-BADACBF36258}" type="datetime1">
               <a:rPr lang="nl-BE" smtClean="0"/>
-              <a:t>26/05/2021</a:t>
+              <a:t>2/06/2021</a:t>
             </a:fld>
             <a:endParaRPr lang="nl-BE"/>
           </a:p>
@@ -47869,7 +48059,7 @@
             <a:fld id="{BE1A8A2B-FC18-4F47-9EBE-1B7FD77C33BB}" type="datetime1">
               <a:rPr lang="nl-BE" smtClean="0"/>
               <a:pPr/>
-              <a:t>26/05/2021</a:t>
+              <a:t>2/06/2021</a:t>
             </a:fld>
             <a:endParaRPr lang="nl-BE" dirty="0"/>
           </a:p>
@@ -48816,7 +49006,7 @@
         </p:xfrm>
         <a:graphic>
           <a:graphicData uri="http://schemas.openxmlformats.org/drawingml/2006/diagram">
-            <dgm:relIds xmlns:dgm="http://schemas.openxmlformats.org/drawingml/2006/diagram" xmlns:r="http://schemas.openxmlformats.org/officeDocument/2006/relationships" r:dm="rId2" r:lo="rId3" r:qs="rId4" r:cs="rId5"/>
+            <dgm:relIds xmlns:dgm="http://schemas.openxmlformats.org/drawingml/2006/diagram" xmlns:r="http://schemas.openxmlformats.org/officeDocument/2006/relationships" r:dm="rId3" r:lo="rId4" r:qs="rId5" r:cs="rId6"/>
           </a:graphicData>
         </a:graphic>
       </p:graphicFrame>
@@ -48843,7 +49033,7 @@
           <a:p>
             <a:fld id="{02EFF42A-0A17-4C92-9216-3CEF97566F24}" type="datetime1">
               <a:rPr lang="nl-BE" smtClean="0"/>
-              <a:t>26/05/2021</a:t>
+              <a:t>2/06/2021</a:t>
             </a:fld>
             <a:endParaRPr lang="nl-BE"/>
           </a:p>
@@ -48931,7 +49121,7 @@
           <a:p>
             <a:fld id="{02EFF42A-0A17-4C92-9216-3CEF97566F24}" type="datetime1">
               <a:rPr lang="nl-BE" smtClean="0"/>
-              <a:t>26/05/2021</a:t>
+              <a:t>2/06/2021</a:t>
             </a:fld>
             <a:endParaRPr lang="nl-BE"/>
           </a:p>
@@ -49169,7 +49359,7 @@
           <a:p>
             <a:fld id="{02EFF42A-0A17-4C92-9216-3CEF97566F24}" type="datetime1">
               <a:rPr lang="nl-BE" smtClean="0"/>
-              <a:t>26/05/2021</a:t>
+              <a:t>2/06/2021</a:t>
             </a:fld>
             <a:endParaRPr lang="nl-BE"/>
           </a:p>
@@ -49315,7 +49505,7 @@
           <a:p>
             <a:fld id="{02EFF42A-0A17-4C92-9216-3CEF97566F24}" type="datetime1">
               <a:rPr lang="nl-BE" smtClean="0"/>
-              <a:t>26/05/2021</a:t>
+              <a:t>2/06/2021</a:t>
             </a:fld>
             <a:endParaRPr lang="nl-BE"/>
           </a:p>
@@ -49492,7 +49682,7 @@
           <a:p>
             <a:fld id="{02EFF42A-0A17-4C92-9216-3CEF97566F24}" type="datetime1">
               <a:rPr lang="nl-BE" smtClean="0"/>
-              <a:t>26/05/2021</a:t>
+              <a:t>2/06/2021</a:t>
             </a:fld>
             <a:endParaRPr lang="nl-BE"/>
           </a:p>
@@ -49690,7 +49880,7 @@
         </p:xfrm>
         <a:graphic>
           <a:graphicData uri="http://schemas.openxmlformats.org/drawingml/2006/diagram">
-            <dgm:relIds xmlns:dgm="http://schemas.openxmlformats.org/drawingml/2006/diagram" xmlns:r="http://schemas.openxmlformats.org/officeDocument/2006/relationships" r:dm="rId2" r:lo="rId3" r:qs="rId4" r:cs="rId5"/>
+            <dgm:relIds xmlns:dgm="http://schemas.openxmlformats.org/drawingml/2006/diagram" xmlns:r="http://schemas.openxmlformats.org/officeDocument/2006/relationships" r:dm="rId3" r:lo="rId4" r:qs="rId5" r:cs="rId6"/>
           </a:graphicData>
         </a:graphic>
       </p:graphicFrame>
@@ -49717,7 +49907,7 @@
           <a:p>
             <a:fld id="{02EFF42A-0A17-4C92-9216-3CEF97566F24}" type="datetime1">
               <a:rPr lang="nl-BE" smtClean="0"/>
-              <a:t>26/05/2021</a:t>
+              <a:t>2/06/2021</a:t>
             </a:fld>
             <a:endParaRPr lang="nl-BE"/>
           </a:p>
@@ -49864,7 +50054,7 @@
           <a:p>
             <a:fld id="{02EFF42A-0A17-4C92-9216-3CEF97566F24}" type="datetime1">
               <a:rPr lang="nl-BE" smtClean="0"/>
-              <a:t>26/05/2021</a:t>
+              <a:t>2/06/2021</a:t>
             </a:fld>
             <a:endParaRPr lang="nl-BE"/>
           </a:p>
@@ -49980,7 +50170,7 @@
           <a:p>
             <a:fld id="{02EFF42A-0A17-4C92-9216-3CEF97566F24}" type="datetime1">
               <a:rPr lang="nl-BE" smtClean="0"/>
-              <a:t>26/05/2021</a:t>
+              <a:t>2/06/2021</a:t>
             </a:fld>
             <a:endParaRPr lang="nl-BE"/>
           </a:p>
@@ -50577,7 +50767,7 @@
           <a:p>
             <a:fld id="{02EFF42A-0A17-4C92-9216-3CEF97566F24}" type="datetime1">
               <a:rPr lang="nl-BE" smtClean="0"/>
-              <a:t>26/05/2021</a:t>
+              <a:t>2/06/2021</a:t>
             </a:fld>
             <a:endParaRPr lang="nl-BE"/>
           </a:p>
@@ -50758,7 +50948,7 @@
           <a:p>
             <a:fld id="{02EFF42A-0A17-4C92-9216-3CEF97566F24}" type="datetime1">
               <a:rPr lang="nl-BE" smtClean="0"/>
-              <a:t>26/05/2021</a:t>
+              <a:t>2/06/2021</a:t>
             </a:fld>
             <a:endParaRPr lang="nl-BE"/>
           </a:p>
@@ -50954,7 +51144,7 @@
           <a:p>
             <a:fld id="{02EFF42A-0A17-4C92-9216-3CEF97566F24}" type="datetime1">
               <a:rPr lang="nl-BE" smtClean="0"/>
-              <a:t>26/05/2021</a:t>
+              <a:t>2/06/2021</a:t>
             </a:fld>
             <a:endParaRPr lang="nl-BE"/>
           </a:p>
@@ -51389,7 +51579,7 @@
           <a:p>
             <a:fld id="{02EFF42A-0A17-4C92-9216-3CEF97566F24}" type="datetime1">
               <a:rPr lang="nl-BE" smtClean="0"/>
-              <a:t>26/05/2021</a:t>
+              <a:t>2/06/2021</a:t>
             </a:fld>
             <a:endParaRPr lang="nl-BE"/>
           </a:p>
@@ -51594,7 +51784,7 @@
           <a:p>
             <a:fld id="{02EFF42A-0A17-4C92-9216-3CEF97566F24}" type="datetime1">
               <a:rPr lang="nl-BE" smtClean="0"/>
-              <a:t>26/05/2021</a:t>
+              <a:t>2/06/2021</a:t>
             </a:fld>
             <a:endParaRPr lang="nl-BE"/>
           </a:p>
